--- a/Synthetic-biology.pptx
+++ b/Synthetic-biology.pptx
@@ -3203,7 +3203,7 @@
             </a:pPr>
             <a:r>
               <a:rPr/>
-              <a:t>2025-06-12</a:t>
+              <a:t>2025-06-13</a:t>
             </a:r>
           </a:p>
         </p:txBody>
